--- a/τριτη παρουσιαση.pptx
+++ b/τριτη παρουσιαση.pptx
@@ -14258,22 +14258,165 @@
           </a:p>
         </p:txBody>
       </p:sp>
-      <p:sp>
-        <p:nvSpPr>
-          <p:cNvPr id="3" name="Content Placeholder 2"/>
-          <p:cNvSpPr>
-            <a:spLocks noGrp="1"/>
-          </p:cNvSpPr>
+      <p:pic>
+        <p:nvPicPr>
+          <p:cNvPr id="6" name="Content Placeholder 5"/>
+          <p:cNvPicPr>
+            <a:picLocks noGrp="1" noChangeAspect="1"/>
+          </p:cNvPicPr>
           <p:nvPr>
             <p:ph idx="1"/>
           </p:nvPr>
+        </p:nvPicPr>
+        <p:blipFill>
+          <a:blip r:embed="rId2">
+            <a:extLst>
+              <a:ext uri="{28A0092B-C50C-407E-A947-70E740481C1C}">
+                <a14:useLocalDpi xmlns:a14="http://schemas.microsoft.com/office/drawing/2010/main" val="0"/>
+              </a:ext>
+            </a:extLst>
+          </a:blip>
+          <a:stretch>
+            <a:fillRect/>
+          </a:stretch>
+        </p:blipFill>
+        <p:spPr>
+          <a:xfrm>
+            <a:off x="5947509" y="1493537"/>
+            <a:ext cx="4039712" cy="5029851"/>
+          </a:xfrm>
+        </p:spPr>
+      </p:pic>
+      <p:pic>
+        <p:nvPicPr>
+          <p:cNvPr id="8" name="Picture 7"/>
+          <p:cNvPicPr>
+            <a:picLocks noChangeAspect="1"/>
+          </p:cNvPicPr>
+          <p:nvPr/>
+        </p:nvPicPr>
+        <p:blipFill>
+          <a:blip r:embed="rId3">
+            <a:extLst>
+              <a:ext uri="{28A0092B-C50C-407E-A947-70E740481C1C}">
+                <a14:useLocalDpi xmlns:a14="http://schemas.microsoft.com/office/drawing/2010/main" val="0"/>
+              </a:ext>
+            </a:extLst>
+          </a:blip>
+          <a:stretch>
+            <a:fillRect/>
+          </a:stretch>
+        </p:blipFill>
+        <p:spPr>
+          <a:xfrm>
+            <a:off x="437299" y="1152983"/>
+            <a:ext cx="3638550" cy="5170715"/>
+          </a:xfrm>
+          <a:prstGeom prst="rect">
+            <a:avLst/>
+          </a:prstGeom>
+        </p:spPr>
+      </p:pic>
+      <p:sp>
+        <p:nvSpPr>
+          <p:cNvPr id="10" name="TextBox 9"/>
+          <p:cNvSpPr txBox="1"/>
+          <p:nvPr/>
         </p:nvSpPr>
-        <p:spPr/>
+        <p:spPr>
+          <a:xfrm>
+            <a:off x="3720123" y="2141415"/>
+            <a:ext cx="2102338" cy="1200329"/>
+          </a:xfrm>
+          <a:prstGeom prst="rect">
+            <a:avLst/>
+          </a:prstGeom>
+          <a:noFill/>
+        </p:spPr>
         <p:txBody>
-          <a:bodyPr/>
+          <a:bodyPr wrap="square" rtlCol="0">
+            <a:spAutoFit/>
+          </a:bodyPr>
           <a:lstStyle/>
           <a:p>
-            <a:endParaRPr lang="el-GR"/>
+            <a:pPr marL="342900" indent="-342900">
+              <a:buAutoNum type="alphaLcParenR"/>
+            </a:pPr>
+            <a:r>
+              <a:rPr lang="el-GR" dirty="0" smtClean="0"/>
+              <a:t>Εγγραφή χρήστη</a:t>
+            </a:r>
+          </a:p>
+          <a:p>
+            <a:pPr marL="342900" indent="-342900">
+              <a:buAutoNum type="alphaLcParenR"/>
+            </a:pPr>
+            <a:r>
+              <a:rPr lang="el-GR" dirty="0" smtClean="0"/>
+              <a:t>Δυνατότητες του χρήστη </a:t>
+            </a:r>
+            <a:endParaRPr lang="el-GR" dirty="0"/>
+          </a:p>
+        </p:txBody>
+      </p:sp>
+      <p:sp>
+        <p:nvSpPr>
+          <p:cNvPr id="11" name="TextBox 10"/>
+          <p:cNvSpPr txBox="1"/>
+          <p:nvPr/>
+        </p:nvSpPr>
+        <p:spPr>
+          <a:xfrm>
+            <a:off x="9769230" y="4462585"/>
+            <a:ext cx="2579077" cy="1754326"/>
+          </a:xfrm>
+          <a:prstGeom prst="rect">
+            <a:avLst/>
+          </a:prstGeom>
+          <a:noFill/>
+        </p:spPr>
+        <p:txBody>
+          <a:bodyPr wrap="square" rtlCol="0">
+            <a:spAutoFit/>
+          </a:bodyPr>
+          <a:lstStyle/>
+          <a:p>
+            <a:r>
+              <a:rPr lang="el-GR" dirty="0" smtClean="0"/>
+              <a:t>Δυνατότητες :</a:t>
+            </a:r>
+          </a:p>
+          <a:p>
+            <a:r>
+              <a:rPr lang="en-US" dirty="0" smtClean="0"/>
+              <a:t>Like</a:t>
+            </a:r>
+          </a:p>
+          <a:p>
+            <a:r>
+              <a:rPr lang="en-US" dirty="0" smtClean="0"/>
+              <a:t>Comments</a:t>
+            </a:r>
+            <a:endParaRPr lang="en-US" dirty="0"/>
+          </a:p>
+          <a:p>
+            <a:r>
+              <a:rPr lang="en-US" dirty="0" smtClean="0"/>
+              <a:t>Add comment</a:t>
+            </a:r>
+          </a:p>
+          <a:p>
+            <a:r>
+              <a:rPr lang="el-GR" dirty="0" smtClean="0"/>
+              <a:t>Επόμενη δημοσίευση</a:t>
+            </a:r>
+          </a:p>
+          <a:p>
+            <a:r>
+              <a:rPr lang="el-GR" dirty="0" smtClean="0"/>
+              <a:t>Κεντικό μενού</a:t>
+            </a:r>
+            <a:endParaRPr lang="en-US" dirty="0"/>
           </a:p>
         </p:txBody>
       </p:sp>
@@ -14733,51 +14876,95 @@
           </a:p>
         </p:txBody>
       </p:sp>
-      <p:sp>
-        <p:nvSpPr>
-          <p:cNvPr id="3" name="Content Placeholder 2"/>
-          <p:cNvSpPr>
-            <a:spLocks noGrp="1"/>
-          </p:cNvSpPr>
+      <p:pic>
+        <p:nvPicPr>
+          <p:cNvPr id="4" name="Content Placeholder 3"/>
+          <p:cNvPicPr>
+            <a:picLocks noGrp="1" noChangeAspect="1"/>
+          </p:cNvPicPr>
           <p:nvPr>
             <p:ph idx="1"/>
           </p:nvPr>
-        </p:nvSpPr>
+        </p:nvPicPr>
+        <p:blipFill>
+          <a:blip r:embed="rId2">
+            <a:extLst>
+              <a:ext uri="{28A0092B-C50C-407E-A947-70E740481C1C}">
+                <a14:useLocalDpi xmlns:a14="http://schemas.microsoft.com/office/drawing/2010/main" val="0"/>
+              </a:ext>
+            </a:extLst>
+          </a:blip>
+          <a:stretch>
+            <a:fillRect/>
+          </a:stretch>
+        </p:blipFill>
         <p:spPr>
           <a:xfrm>
-            <a:off x="950912" y="1853248"/>
-            <a:ext cx="8946541" cy="4195481"/>
+            <a:off x="312736" y="1179092"/>
+            <a:ext cx="6030914" cy="4403193"/>
           </a:xfrm>
         </p:spPr>
-        <p:txBody>
-          <a:bodyPr>
-            <a:normAutofit/>
-          </a:bodyPr>
-          <a:lstStyle/>
-          <a:p>
-            <a:pPr lvl="1">
-              <a:lnSpc>
-                <a:spcPct val="110000"/>
-              </a:lnSpc>
-              <a:spcBef>
-                <a:spcPts val="500"/>
-              </a:spcBef>
-              <a:buClr>
-                <a:schemeClr val="lt1"/>
-              </a:buClr>
-              <a:buSzPct val="125000"/>
-              <a:buFont typeface="Arial" panose="020B0604020202020204" pitchFamily="34" charset="0"/>
-              <a:buChar char="•"/>
-            </a:pPr>
-            <a:endParaRPr lang="el-GR" sz="7600" dirty="0">
-              <a:latin typeface="Calibri"/>
-              <a:ea typeface="Calibri"/>
-              <a:cs typeface="Calibri"/>
-              <a:sym typeface="Calibri"/>
-            </a:endParaRPr>
-          </a:p>
-        </p:txBody>
-      </p:sp>
+      </p:pic>
+      <p:pic>
+        <p:nvPicPr>
+          <p:cNvPr id="5" name="Picture 4"/>
+          <p:cNvPicPr>
+            <a:picLocks noChangeAspect="1"/>
+          </p:cNvPicPr>
+          <p:nvPr/>
+        </p:nvPicPr>
+        <p:blipFill>
+          <a:blip r:embed="rId3">
+            <a:extLst>
+              <a:ext uri="{28A0092B-C50C-407E-A947-70E740481C1C}">
+                <a14:useLocalDpi xmlns:a14="http://schemas.microsoft.com/office/drawing/2010/main" val="0"/>
+              </a:ext>
+            </a:extLst>
+          </a:blip>
+          <a:stretch>
+            <a:fillRect/>
+          </a:stretch>
+        </p:blipFill>
+        <p:spPr>
+          <a:xfrm>
+            <a:off x="2278159" y="2522780"/>
+            <a:ext cx="7467508" cy="4495418"/>
+          </a:xfrm>
+          <a:prstGeom prst="rect">
+            <a:avLst/>
+          </a:prstGeom>
+        </p:spPr>
+      </p:pic>
+      <p:pic>
+        <p:nvPicPr>
+          <p:cNvPr id="6" name="Picture 5"/>
+          <p:cNvPicPr>
+            <a:picLocks noChangeAspect="1"/>
+          </p:cNvPicPr>
+          <p:nvPr/>
+        </p:nvPicPr>
+        <p:blipFill>
+          <a:blip r:embed="rId4">
+            <a:extLst>
+              <a:ext uri="{28A0092B-C50C-407E-A947-70E740481C1C}">
+                <a14:useLocalDpi xmlns:a14="http://schemas.microsoft.com/office/drawing/2010/main" val="0"/>
+              </a:ext>
+            </a:extLst>
+          </a:blip>
+          <a:stretch>
+            <a:fillRect/>
+          </a:stretch>
+        </p:blipFill>
+        <p:spPr>
+          <a:xfrm>
+            <a:off x="7293299" y="1724025"/>
+            <a:ext cx="9070651" cy="6092929"/>
+          </a:xfrm>
+          <a:prstGeom prst="rect">
+            <a:avLst/>
+          </a:prstGeom>
+        </p:spPr>
+      </p:pic>
     </p:spTree>
     <p:extLst>
       <p:ext uri="{BB962C8B-B14F-4D97-AF65-F5344CB8AC3E}">

--- a/τριτη παρουσιαση.pptx
+++ b/τριτη παρουσιαση.pptx
@@ -2752,37 +2752,37 @@
     </dgm:pt>
   </dgm:ptLst>
   <dgm:cxnLst>
+    <dgm:cxn modelId="{4F5D83E3-0A68-479F-8E17-22D6BEF4CDF2}" type="presOf" srcId="{DA9C0DB3-1203-43DF-B624-185E3EF94E21}" destId="{34E33D20-5B51-4BAB-8BC6-0BF7BE0A47F0}" srcOrd="0" destOrd="0" presId="urn:microsoft.com/office/officeart/2005/8/layout/hList1"/>
+    <dgm:cxn modelId="{986D1688-CBED-4FBF-8001-97E1C64DD091}" srcId="{1A4DB2B8-FE30-4C0C-BFCC-942435739713}" destId="{3073C514-537D-42F4-9342-D20E09D8F390}" srcOrd="0" destOrd="0" parTransId="{B778926D-80DE-4DC1-AA81-8292DF145349}" sibTransId="{A1453A64-0AEF-4EF2-9FD4-8931D33DEC85}"/>
+    <dgm:cxn modelId="{360CD8FF-CB5C-466F-938B-556BD958EE4D}" srcId="{A068D0F4-3F7E-4A40-94CC-D2A4FE434D05}" destId="{B5D785A8-A12A-4944-9620-4469DBA54258}" srcOrd="0" destOrd="0" parTransId="{1AA49D42-E0E0-459A-8EDD-BA9B7DBB458A}" sibTransId="{E7B2CC0D-C3F8-4784-AF83-B783688627E3}"/>
+    <dgm:cxn modelId="{1B82CB26-E6AC-4030-8F86-892682C8817D}" srcId="{0ABE2582-D7EC-4669-B467-1D77B8F67208}" destId="{DA9C0DB3-1203-43DF-B624-185E3EF94E21}" srcOrd="3" destOrd="0" parTransId="{C80086B8-CA53-4813-86DC-3849AC2E77E5}" sibTransId="{FB820340-30C8-4A2C-BB31-C67F104ECD24}"/>
+    <dgm:cxn modelId="{A54B583E-AB60-486B-924A-6F82974CB00D}" type="presOf" srcId="{3C9CCC34-0784-4676-A70E-95B189549AD9}" destId="{1447EC24-AA12-4E28-B4C5-5481117EC455}" srcOrd="0" destOrd="1" presId="urn:microsoft.com/office/officeart/2005/8/layout/hList1"/>
+    <dgm:cxn modelId="{ECFFFFA0-944D-47CA-9DB1-56ABB289BAD7}" srcId="{0ABE2582-D7EC-4669-B467-1D77B8F67208}" destId="{0AF764AC-9B6A-4303-A300-F6BB4BBEFB4D}" srcOrd="1" destOrd="0" parTransId="{75E87810-29E0-406D-9912-15EFDA098378}" sibTransId="{4611A9CD-4385-45EA-8763-AB929CDC928D}"/>
+    <dgm:cxn modelId="{3D07054F-01D9-489E-B201-62F838C4AD09}" srcId="{0AF764AC-9B6A-4303-A300-F6BB4BBEFB4D}" destId="{DB11A89F-30D5-4472-BB73-E350F8844754}" srcOrd="0" destOrd="0" parTransId="{7247B3AF-8F57-4D6E-9313-BF92BCE010B2}" sibTransId="{5005F983-E14A-4003-9672-0E3365440C17}"/>
+    <dgm:cxn modelId="{F193BE98-ED56-42D3-A55D-40D0089987B3}" srcId="{A068D0F4-3F7E-4A40-94CC-D2A4FE434D05}" destId="{B3E779DF-16E8-4B94-8EE9-F72592A0ACF5}" srcOrd="1" destOrd="0" parTransId="{BACE21E8-982C-4093-98BF-BD6EE5A05714}" sibTransId="{E51FA7A7-303A-4E4F-8AB0-8936E5ECB661}"/>
+    <dgm:cxn modelId="{3EDD84A8-40B3-4E7E-B793-1BEC601A87A8}" type="presOf" srcId="{B3E779DF-16E8-4B94-8EE9-F72592A0ACF5}" destId="{AD9D70DE-75AD-4263-B8D6-5583D75B67C6}" srcOrd="0" destOrd="1" presId="urn:microsoft.com/office/officeart/2005/8/layout/hList1"/>
+    <dgm:cxn modelId="{0FCC5F8C-70D8-4D22-86C3-16E74E572CA8}" srcId="{AA71AD71-6FA1-4A8E-A235-8094C58223FD}" destId="{FBDFA24D-6D4C-48D2-84AC-7FDFE9A125F5}" srcOrd="1" destOrd="0" parTransId="{4A4CD37E-2762-44DE-93B1-67A584013A90}" sibTransId="{7D0D09CA-D986-400D-8ECB-A14421F84DFE}"/>
+    <dgm:cxn modelId="{D11108DE-6ADE-447B-8A65-6E927DB996CC}" type="presOf" srcId="{3073C514-537D-42F4-9342-D20E09D8F390}" destId="{DF7E8592-526E-4EC5-BA11-8A9FC27B18A6}" srcOrd="0" destOrd="0" presId="urn:microsoft.com/office/officeart/2005/8/layout/hList1"/>
+    <dgm:cxn modelId="{87CE05F3-75D1-4986-A4EA-D126E7395A0B}" srcId="{DA9C0DB3-1203-43DF-B624-185E3EF94E21}" destId="{94853D58-D409-41B8-AABD-A0F57F5B0CD6}" srcOrd="0" destOrd="0" parTransId="{25547B9C-4E64-448B-8B45-2FF976294C24}" sibTransId="{90B13838-19DB-4E40-B84E-09EC3CAE1CE1}"/>
     <dgm:cxn modelId="{7646C8D5-E6C1-438D-A957-B090230DC3FC}" srcId="{AA71AD71-6FA1-4A8E-A235-8094C58223FD}" destId="{144CC005-76EB-45AE-A735-CF1D8618F814}" srcOrd="0" destOrd="0" parTransId="{90B47C1A-E1B4-4FEF-9DE9-F80D78BADCE2}" sibTransId="{01B90C53-4E33-430D-BC2D-B3D3F22CC282}"/>
+    <dgm:cxn modelId="{F55BE41D-B972-42E8-9DDF-C13A811B7DCF}" type="presOf" srcId="{1A4DB2B8-FE30-4C0C-BFCC-942435739713}" destId="{33BF0B15-AC25-499D-915D-43F8EDB97E26}" srcOrd="0" destOrd="0" presId="urn:microsoft.com/office/officeart/2005/8/layout/hList1"/>
+    <dgm:cxn modelId="{E7E0E02E-E781-4266-99F0-A7D3D8796BB6}" srcId="{0ABE2582-D7EC-4669-B467-1D77B8F67208}" destId="{AA71AD71-6FA1-4A8E-A235-8094C58223FD}" srcOrd="2" destOrd="0" parTransId="{3CB40C48-A383-435D-B976-8F9FF70C78CE}" sibTransId="{5AA65785-DB8D-4B23-BBBF-46E265095E9E}"/>
+    <dgm:cxn modelId="{E17FF4FC-3F89-47C5-9FAA-CCE9107BC5F4}" type="presOf" srcId="{144CC005-76EB-45AE-A735-CF1D8618F814}" destId="{0C493DE1-28DB-44B4-9201-14F9B6B02F24}" srcOrd="0" destOrd="0" presId="urn:microsoft.com/office/officeart/2005/8/layout/hList1"/>
     <dgm:cxn modelId="{228436B7-C78C-446A-85F0-7E89B5C101BD}" srcId="{1A4DB2B8-FE30-4C0C-BFCC-942435739713}" destId="{41DA749C-DEF5-4755-97B4-70479F339DB9}" srcOrd="1" destOrd="0" parTransId="{FB975B28-78E2-40AA-8EF6-CEA49958F3E6}" sibTransId="{A070F644-50B4-43A7-B623-7AB92FD28F3F}"/>
-    <dgm:cxn modelId="{3D07054F-01D9-489E-B201-62F838C4AD09}" srcId="{0AF764AC-9B6A-4303-A300-F6BB4BBEFB4D}" destId="{DB11A89F-30D5-4472-BB73-E350F8844754}" srcOrd="0" destOrd="0" parTransId="{7247B3AF-8F57-4D6E-9313-BF92BCE010B2}" sibTransId="{5005F983-E14A-4003-9672-0E3365440C17}"/>
     <dgm:cxn modelId="{383F3550-AFEF-4A53-8432-ABDF2AC0D44A}" type="presOf" srcId="{A068D0F4-3F7E-4A40-94CC-D2A4FE434D05}" destId="{5409F352-6867-4F1B-95BF-0D6A632D3FFA}" srcOrd="0" destOrd="0" presId="urn:microsoft.com/office/officeart/2005/8/layout/hList1"/>
-    <dgm:cxn modelId="{360CD8FF-CB5C-466F-938B-556BD958EE4D}" srcId="{A068D0F4-3F7E-4A40-94CC-D2A4FE434D05}" destId="{B5D785A8-A12A-4944-9620-4469DBA54258}" srcOrd="0" destOrd="0" parTransId="{1AA49D42-E0E0-459A-8EDD-BA9B7DBB458A}" sibTransId="{E7B2CC0D-C3F8-4784-AF83-B783688627E3}"/>
-    <dgm:cxn modelId="{E7E0E02E-E781-4266-99F0-A7D3D8796BB6}" srcId="{0ABE2582-D7EC-4669-B467-1D77B8F67208}" destId="{AA71AD71-6FA1-4A8E-A235-8094C58223FD}" srcOrd="2" destOrd="0" parTransId="{3CB40C48-A383-435D-B976-8F9FF70C78CE}" sibTransId="{5AA65785-DB8D-4B23-BBBF-46E265095E9E}"/>
-    <dgm:cxn modelId="{79402AC8-5B91-4C57-84FA-3A6934A3D7D1}" type="presOf" srcId="{B5D785A8-A12A-4944-9620-4469DBA54258}" destId="{AD9D70DE-75AD-4263-B8D6-5583D75B67C6}" srcOrd="0" destOrd="0" presId="urn:microsoft.com/office/officeart/2005/8/layout/hList1"/>
-    <dgm:cxn modelId="{4F5D83E3-0A68-479F-8E17-22D6BEF4CDF2}" type="presOf" srcId="{DA9C0DB3-1203-43DF-B624-185E3EF94E21}" destId="{34E33D20-5B51-4BAB-8BC6-0BF7BE0A47F0}" srcOrd="0" destOrd="0" presId="urn:microsoft.com/office/officeart/2005/8/layout/hList1"/>
-    <dgm:cxn modelId="{78B0AB84-ABC3-48BE-AB5F-78D714345353}" type="presOf" srcId="{41DA749C-DEF5-4755-97B4-70479F339DB9}" destId="{DF7E8592-526E-4EC5-BA11-8A9FC27B18A6}" srcOrd="0" destOrd="1" presId="urn:microsoft.com/office/officeart/2005/8/layout/hList1"/>
-    <dgm:cxn modelId="{3EDD84A8-40B3-4E7E-B793-1BEC601A87A8}" type="presOf" srcId="{B3E779DF-16E8-4B94-8EE9-F72592A0ACF5}" destId="{AD9D70DE-75AD-4263-B8D6-5583D75B67C6}" srcOrd="0" destOrd="1" presId="urn:microsoft.com/office/officeart/2005/8/layout/hList1"/>
-    <dgm:cxn modelId="{1B82CB26-E6AC-4030-8F86-892682C8817D}" srcId="{0ABE2582-D7EC-4669-B467-1D77B8F67208}" destId="{DA9C0DB3-1203-43DF-B624-185E3EF94E21}" srcOrd="3" destOrd="0" parTransId="{C80086B8-CA53-4813-86DC-3849AC2E77E5}" sibTransId="{FB820340-30C8-4A2C-BB31-C67F104ECD24}"/>
-    <dgm:cxn modelId="{9BB2F48B-6828-4C81-812A-31CCB35E0F75}" type="presOf" srcId="{DB11A89F-30D5-4472-BB73-E350F8844754}" destId="{F6C522F7-A07E-4D02-811D-E88E44850A58}" srcOrd="0" destOrd="0" presId="urn:microsoft.com/office/officeart/2005/8/layout/hList1"/>
-    <dgm:cxn modelId="{DBFABEEF-B230-418A-9E2E-DDF397925C00}" type="presOf" srcId="{0AF764AC-9B6A-4303-A300-F6BB4BBEFB4D}" destId="{D53AA513-EA40-4BC0-B71B-1C1C0227E108}" srcOrd="0" destOrd="0" presId="urn:microsoft.com/office/officeart/2005/8/layout/hList1"/>
-    <dgm:cxn modelId="{E17FF4FC-3F89-47C5-9FAA-CCE9107BC5F4}" type="presOf" srcId="{144CC005-76EB-45AE-A735-CF1D8618F814}" destId="{0C493DE1-28DB-44B4-9201-14F9B6B02F24}" srcOrd="0" destOrd="0" presId="urn:microsoft.com/office/officeart/2005/8/layout/hList1"/>
-    <dgm:cxn modelId="{986D1688-CBED-4FBF-8001-97E1C64DD091}" srcId="{1A4DB2B8-FE30-4C0C-BFCC-942435739713}" destId="{3073C514-537D-42F4-9342-D20E09D8F390}" srcOrd="0" destOrd="0" parTransId="{B778926D-80DE-4DC1-AA81-8292DF145349}" sibTransId="{A1453A64-0AEF-4EF2-9FD4-8931D33DEC85}"/>
-    <dgm:cxn modelId="{67677145-7462-433E-BA27-3236B31B58A8}" type="presOf" srcId="{0ABE2582-D7EC-4669-B467-1D77B8F67208}" destId="{309EE49E-BAB0-40A1-AFA5-F604EF780995}" srcOrd="0" destOrd="0" presId="urn:microsoft.com/office/officeart/2005/8/layout/hList1"/>
-    <dgm:cxn modelId="{A54B583E-AB60-486B-924A-6F82974CB00D}" type="presOf" srcId="{3C9CCC34-0784-4676-A70E-95B189549AD9}" destId="{1447EC24-AA12-4E28-B4C5-5481117EC455}" srcOrd="0" destOrd="1" presId="urn:microsoft.com/office/officeart/2005/8/layout/hList1"/>
-    <dgm:cxn modelId="{D11108DE-6ADE-447B-8A65-6E927DB996CC}" type="presOf" srcId="{3073C514-537D-42F4-9342-D20E09D8F390}" destId="{DF7E8592-526E-4EC5-BA11-8A9FC27B18A6}" srcOrd="0" destOrd="0" presId="urn:microsoft.com/office/officeart/2005/8/layout/hList1"/>
     <dgm:cxn modelId="{25B2DEAE-84FE-46CF-8E86-65AC042439FF}" srcId="{0ABE2582-D7EC-4669-B467-1D77B8F67208}" destId="{A068D0F4-3F7E-4A40-94CC-D2A4FE434D05}" srcOrd="4" destOrd="0" parTransId="{CFE6002C-3641-4633-91E6-2BB4EAA576B8}" sibTransId="{C029DA13-FB23-4DD2-B3D5-3295EE06A63F}"/>
     <dgm:cxn modelId="{1D5AAE38-ADA3-44F5-9AF6-AF2E0CE3D191}" srcId="{0AF764AC-9B6A-4303-A300-F6BB4BBEFB4D}" destId="{35BC7702-2F63-4EE8-88DB-198D770FCC70}" srcOrd="1" destOrd="0" parTransId="{3981BE2D-DF55-4E39-BDC4-44063B8C39B9}" sibTransId="{87D7A6DA-85B8-4265-ACF0-9D5BB7A7970E}"/>
-    <dgm:cxn modelId="{F193BE98-ED56-42D3-A55D-40D0089987B3}" srcId="{A068D0F4-3F7E-4A40-94CC-D2A4FE434D05}" destId="{B3E779DF-16E8-4B94-8EE9-F72592A0ACF5}" srcOrd="1" destOrd="0" parTransId="{BACE21E8-982C-4093-98BF-BD6EE5A05714}" sibTransId="{E51FA7A7-303A-4E4F-8AB0-8936E5ECB661}"/>
-    <dgm:cxn modelId="{ECFFFFA0-944D-47CA-9DB1-56ABB289BAD7}" srcId="{0ABE2582-D7EC-4669-B467-1D77B8F67208}" destId="{0AF764AC-9B6A-4303-A300-F6BB4BBEFB4D}" srcOrd="1" destOrd="0" parTransId="{75E87810-29E0-406D-9912-15EFDA098378}" sibTransId="{4611A9CD-4385-45EA-8763-AB929CDC928D}"/>
     <dgm:cxn modelId="{9586E87F-DBC6-4AC9-AFC1-39A824DA9322}" srcId="{DA9C0DB3-1203-43DF-B624-185E3EF94E21}" destId="{3C9CCC34-0784-4676-A70E-95B189549AD9}" srcOrd="1" destOrd="0" parTransId="{3B5F6D90-D792-4DAC-8EE7-BFA91B999BDC}" sibTransId="{8D9B4584-A5B4-4FA8-B513-DD7F97A2EBB2}"/>
+    <dgm:cxn modelId="{44B4B65D-A8D6-492D-B9FB-071BA8028B66}" type="presOf" srcId="{FBDFA24D-6D4C-48D2-84AC-7FDFE9A125F5}" destId="{0C493DE1-28DB-44B4-9201-14F9B6B02F24}" srcOrd="0" destOrd="1" presId="urn:microsoft.com/office/officeart/2005/8/layout/hList1"/>
+    <dgm:cxn modelId="{0E3BBD17-7721-499A-8095-346E80BE0BFC}" type="presOf" srcId="{AA71AD71-6FA1-4A8E-A235-8094C58223FD}" destId="{8907E217-8379-46FE-95D7-CB247AB62A43}" srcOrd="0" destOrd="0" presId="urn:microsoft.com/office/officeart/2005/8/layout/hList1"/>
+    <dgm:cxn modelId="{79402AC8-5B91-4C57-84FA-3A6934A3D7D1}" type="presOf" srcId="{B5D785A8-A12A-4944-9620-4469DBA54258}" destId="{AD9D70DE-75AD-4263-B8D6-5583D75B67C6}" srcOrd="0" destOrd="0" presId="urn:microsoft.com/office/officeart/2005/8/layout/hList1"/>
+    <dgm:cxn modelId="{19534008-9931-4AF5-B17D-6BA347E0AADD}" srcId="{0ABE2582-D7EC-4669-B467-1D77B8F67208}" destId="{1A4DB2B8-FE30-4C0C-BFCC-942435739713}" srcOrd="0" destOrd="0" parTransId="{09CD6289-DE15-4EBB-93CF-A26EE719E249}" sibTransId="{36DB2DDA-A632-4183-B5FE-34CAB88B819B}"/>
+    <dgm:cxn modelId="{9BB2F48B-6828-4C81-812A-31CCB35E0F75}" type="presOf" srcId="{DB11A89F-30D5-4472-BB73-E350F8844754}" destId="{F6C522F7-A07E-4D02-811D-E88E44850A58}" srcOrd="0" destOrd="0" presId="urn:microsoft.com/office/officeart/2005/8/layout/hList1"/>
+    <dgm:cxn modelId="{78B0AB84-ABC3-48BE-AB5F-78D714345353}" type="presOf" srcId="{41DA749C-DEF5-4755-97B4-70479F339DB9}" destId="{DF7E8592-526E-4EC5-BA11-8A9FC27B18A6}" srcOrd="0" destOrd="1" presId="urn:microsoft.com/office/officeart/2005/8/layout/hList1"/>
+    <dgm:cxn modelId="{2D68F4D2-D1AB-42A1-9AD1-24FF14706DAD}" type="presOf" srcId="{35BC7702-2F63-4EE8-88DB-198D770FCC70}" destId="{F6C522F7-A07E-4D02-811D-E88E44850A58}" srcOrd="0" destOrd="1" presId="urn:microsoft.com/office/officeart/2005/8/layout/hList1"/>
+    <dgm:cxn modelId="{DBFABEEF-B230-418A-9E2E-DDF397925C00}" type="presOf" srcId="{0AF764AC-9B6A-4303-A300-F6BB4BBEFB4D}" destId="{D53AA513-EA40-4BC0-B71B-1C1C0227E108}" srcOrd="0" destOrd="0" presId="urn:microsoft.com/office/officeart/2005/8/layout/hList1"/>
+    <dgm:cxn modelId="{67677145-7462-433E-BA27-3236B31B58A8}" type="presOf" srcId="{0ABE2582-D7EC-4669-B467-1D77B8F67208}" destId="{309EE49E-BAB0-40A1-AFA5-F604EF780995}" srcOrd="0" destOrd="0" presId="urn:microsoft.com/office/officeart/2005/8/layout/hList1"/>
     <dgm:cxn modelId="{03224206-6669-4875-ACE4-25034DC576A6}" type="presOf" srcId="{94853D58-D409-41B8-AABD-A0F57F5B0CD6}" destId="{1447EC24-AA12-4E28-B4C5-5481117EC455}" srcOrd="0" destOrd="0" presId="urn:microsoft.com/office/officeart/2005/8/layout/hList1"/>
-    <dgm:cxn modelId="{F55BE41D-B972-42E8-9DDF-C13A811B7DCF}" type="presOf" srcId="{1A4DB2B8-FE30-4C0C-BFCC-942435739713}" destId="{33BF0B15-AC25-499D-915D-43F8EDB97E26}" srcOrd="0" destOrd="0" presId="urn:microsoft.com/office/officeart/2005/8/layout/hList1"/>
-    <dgm:cxn modelId="{44B4B65D-A8D6-492D-B9FB-071BA8028B66}" type="presOf" srcId="{FBDFA24D-6D4C-48D2-84AC-7FDFE9A125F5}" destId="{0C493DE1-28DB-44B4-9201-14F9B6B02F24}" srcOrd="0" destOrd="1" presId="urn:microsoft.com/office/officeart/2005/8/layout/hList1"/>
-    <dgm:cxn modelId="{2D68F4D2-D1AB-42A1-9AD1-24FF14706DAD}" type="presOf" srcId="{35BC7702-2F63-4EE8-88DB-198D770FCC70}" destId="{F6C522F7-A07E-4D02-811D-E88E44850A58}" srcOrd="0" destOrd="1" presId="urn:microsoft.com/office/officeart/2005/8/layout/hList1"/>
-    <dgm:cxn modelId="{19534008-9931-4AF5-B17D-6BA347E0AADD}" srcId="{0ABE2582-D7EC-4669-B467-1D77B8F67208}" destId="{1A4DB2B8-FE30-4C0C-BFCC-942435739713}" srcOrd="0" destOrd="0" parTransId="{09CD6289-DE15-4EBB-93CF-A26EE719E249}" sibTransId="{36DB2DDA-A632-4183-B5FE-34CAB88B819B}"/>
-    <dgm:cxn modelId="{0E3BBD17-7721-499A-8095-346E80BE0BFC}" type="presOf" srcId="{AA71AD71-6FA1-4A8E-A235-8094C58223FD}" destId="{8907E217-8379-46FE-95D7-CB247AB62A43}" srcOrd="0" destOrd="0" presId="urn:microsoft.com/office/officeart/2005/8/layout/hList1"/>
-    <dgm:cxn modelId="{87CE05F3-75D1-4986-A4EA-D126E7395A0B}" srcId="{DA9C0DB3-1203-43DF-B624-185E3EF94E21}" destId="{94853D58-D409-41B8-AABD-A0F57F5B0CD6}" srcOrd="0" destOrd="0" parTransId="{25547B9C-4E64-448B-8B45-2FF976294C24}" sibTransId="{90B13838-19DB-4E40-B84E-09EC3CAE1CE1}"/>
-    <dgm:cxn modelId="{0FCC5F8C-70D8-4D22-86C3-16E74E572CA8}" srcId="{AA71AD71-6FA1-4A8E-A235-8094C58223FD}" destId="{FBDFA24D-6D4C-48D2-84AC-7FDFE9A125F5}" srcOrd="1" destOrd="0" parTransId="{4A4CD37E-2762-44DE-93B1-67A584013A90}" sibTransId="{7D0D09CA-D986-400D-8ECB-A14421F84DFE}"/>
     <dgm:cxn modelId="{AFD7CC36-6144-493E-A900-5BF75A9C3F68}" type="presParOf" srcId="{309EE49E-BAB0-40A1-AFA5-F604EF780995}" destId="{C3642C3B-21C7-438B-9913-B59F388A7FBB}" srcOrd="0" destOrd="0" presId="urn:microsoft.com/office/officeart/2005/8/layout/hList1"/>
     <dgm:cxn modelId="{594263F6-815D-45C1-B269-E296E16F15CB}" type="presParOf" srcId="{C3642C3B-21C7-438B-9913-B59F388A7FBB}" destId="{33BF0B15-AC25-499D-915D-43F8EDB97E26}" srcOrd="0" destOrd="0" presId="urn:microsoft.com/office/officeart/2005/8/layout/hList1"/>
     <dgm:cxn modelId="{C24031FD-7D6A-4666-A7EF-C5A28555560B}" type="presParOf" srcId="{C3642C3B-21C7-438B-9913-B59F388A7FBB}" destId="{DF7E8592-526E-4EC5-BA11-8A9FC27B18A6}" srcOrd="1" destOrd="0" presId="urn:microsoft.com/office/officeart/2005/8/layout/hList1"/>
@@ -3672,9 +3672,9 @@
     <dgm:cxn modelId="{D202479F-49FE-469D-9D88-7011204FC150}" srcId="{E68F51D9-5FF3-4AD9-A369-2578488040B8}" destId="{22090CDA-2117-4B28-B6AC-49D1C4369AE3}" srcOrd="1" destOrd="0" parTransId="{B28CDC18-B3D7-4F0B-AC03-5544D1C4CA5F}" sibTransId="{FB0AD4CA-EE91-46C6-9E17-3DACF8996D53}"/>
     <dgm:cxn modelId="{B681B85D-0A2A-473E-B797-DAC34FC39145}" type="presOf" srcId="{B1A7A6BB-2C55-49F9-8C7A-5A21DB614024}" destId="{922DB3D3-1546-479A-AF1C-1F2153BA5DF1}" srcOrd="0" destOrd="0" presId="urn:microsoft.com/office/officeart/2005/8/layout/hList1"/>
     <dgm:cxn modelId="{A5BE87A4-56A1-4A28-9B54-B8C2EC2B2294}" type="presOf" srcId="{A1F2A636-3E42-4BCA-8B73-4005649C60AE}" destId="{25D41D7F-BB6F-4A1E-A315-939BE93813CE}" srcOrd="0" destOrd="1" presId="urn:microsoft.com/office/officeart/2005/8/layout/hList1"/>
+    <dgm:cxn modelId="{3DB82809-9950-420B-A73F-DA9ECC6F38B1}" srcId="{E68F51D9-5FF3-4AD9-A369-2578488040B8}" destId="{B1A7A6BB-2C55-49F9-8C7A-5A21DB614024}" srcOrd="0" destOrd="0" parTransId="{BFCE8805-A631-43B2-8322-0050D993FF9E}" sibTransId="{463C1554-48F7-4879-B9D3-0F92551466FE}"/>
+    <dgm:cxn modelId="{30356C07-DAFD-409E-97B1-4ECA664EC46D}" type="presOf" srcId="{22090CDA-2117-4B28-B6AC-49D1C4369AE3}" destId="{922DB3D3-1546-479A-AF1C-1F2153BA5DF1}" srcOrd="0" destOrd="1" presId="urn:microsoft.com/office/officeart/2005/8/layout/hList1"/>
     <dgm:cxn modelId="{46B8412D-A1D4-4D02-95A9-08BE85A91FD7}" srcId="{87755EA1-C07C-4F42-A922-1F62E094F0A9}" destId="{439D86D0-799A-4E12-AAA4-271079E09AD2}" srcOrd="0" destOrd="0" parTransId="{A1579749-A899-487E-9351-4F157489678B}" sibTransId="{63BC0718-0821-4480-8DC0-6C0C96F3D36E}"/>
-    <dgm:cxn modelId="{30356C07-DAFD-409E-97B1-4ECA664EC46D}" type="presOf" srcId="{22090CDA-2117-4B28-B6AC-49D1C4369AE3}" destId="{922DB3D3-1546-479A-AF1C-1F2153BA5DF1}" srcOrd="0" destOrd="1" presId="urn:microsoft.com/office/officeart/2005/8/layout/hList1"/>
-    <dgm:cxn modelId="{3DB82809-9950-420B-A73F-DA9ECC6F38B1}" srcId="{E68F51D9-5FF3-4AD9-A369-2578488040B8}" destId="{B1A7A6BB-2C55-49F9-8C7A-5A21DB614024}" srcOrd="0" destOrd="0" parTransId="{BFCE8805-A631-43B2-8322-0050D993FF9E}" sibTransId="{463C1554-48F7-4879-B9D3-0F92551466FE}"/>
     <dgm:cxn modelId="{7A13E6E4-A871-4613-A37A-C36A3FE94BA0}" srcId="{70A3892E-94D1-4F8D-8DFD-D9DF4AA7C283}" destId="{0BFCC031-E9D8-46E3-ACDE-BE3414F07F2D}" srcOrd="0" destOrd="0" parTransId="{CB3879EC-E923-4B23-8E38-B1C242F59CCB}" sibTransId="{76BA849A-C47C-4EAE-8795-C6D7C4CCD828}"/>
     <dgm:cxn modelId="{ED04E34C-4305-4B2E-9231-257D4117A5F4}" type="presParOf" srcId="{0DE8993C-62D6-4996-B328-9BA0F27FB4C1}" destId="{F0615E86-3353-4AA7-8927-784CDE740EAB}" srcOrd="0" destOrd="0" presId="urn:microsoft.com/office/officeart/2005/8/layout/hList1"/>
     <dgm:cxn modelId="{57DF0377-9143-4096-8FEC-DC56D77726C7}" type="presParOf" srcId="{F0615E86-3353-4AA7-8927-784CDE740EAB}" destId="{88F02000-B6E2-4A9E-98BE-FCAB6903A8C4}" srcOrd="0" destOrd="0" presId="urn:microsoft.com/office/officeart/2005/8/layout/hList1"/>
@@ -8227,7 +8227,7 @@
           <a:p>
             <a:fld id="{063B7DDB-4392-4ACC-B8F4-C586390D9DA6}" type="datetimeFigureOut">
               <a:rPr lang="el-GR" smtClean="0"/>
-              <a:t>17/1/2023</a:t>
+              <a:t>18/1/2023</a:t>
             </a:fld>
             <a:endParaRPr lang="el-GR"/>
           </a:p>
@@ -8502,7 +8502,7 @@
           <a:p>
             <a:fld id="{063B7DDB-4392-4ACC-B8F4-C586390D9DA6}" type="datetimeFigureOut">
               <a:rPr lang="el-GR" smtClean="0"/>
-              <a:t>17/1/2023</a:t>
+              <a:t>18/1/2023</a:t>
             </a:fld>
             <a:endParaRPr lang="el-GR"/>
           </a:p>
@@ -8696,7 +8696,7 @@
           <a:p>
             <a:fld id="{063B7DDB-4392-4ACC-B8F4-C586390D9DA6}" type="datetimeFigureOut">
               <a:rPr lang="el-GR" smtClean="0"/>
-              <a:t>17/1/2023</a:t>
+              <a:t>18/1/2023</a:t>
             </a:fld>
             <a:endParaRPr lang="el-GR"/>
           </a:p>
@@ -8969,7 +8969,7 @@
           <a:p>
             <a:fld id="{063B7DDB-4392-4ACC-B8F4-C586390D9DA6}" type="datetimeFigureOut">
               <a:rPr lang="el-GR" smtClean="0"/>
-              <a:t>17/1/2023</a:t>
+              <a:t>18/1/2023</a:t>
             </a:fld>
             <a:endParaRPr lang="el-GR"/>
           </a:p>
@@ -9310,7 +9310,7 @@
           <a:p>
             <a:fld id="{063B7DDB-4392-4ACC-B8F4-C586390D9DA6}" type="datetimeFigureOut">
               <a:rPr lang="el-GR" smtClean="0"/>
-              <a:t>17/1/2023</a:t>
+              <a:t>18/1/2023</a:t>
             </a:fld>
             <a:endParaRPr lang="el-GR"/>
           </a:p>
@@ -9933,7 +9933,7 @@
           <a:p>
             <a:fld id="{063B7DDB-4392-4ACC-B8F4-C586390D9DA6}" type="datetimeFigureOut">
               <a:rPr lang="el-GR" smtClean="0"/>
-              <a:t>17/1/2023</a:t>
+              <a:t>18/1/2023</a:t>
             </a:fld>
             <a:endParaRPr lang="el-GR"/>
           </a:p>
@@ -10793,7 +10793,7 @@
           <a:p>
             <a:fld id="{063B7DDB-4392-4ACC-B8F4-C586390D9DA6}" type="datetimeFigureOut">
               <a:rPr lang="el-GR" smtClean="0"/>
-              <a:t>17/1/2023</a:t>
+              <a:t>18/1/2023</a:t>
             </a:fld>
             <a:endParaRPr lang="el-GR"/>
           </a:p>
@@ -10963,7 +10963,7 @@
           <a:p>
             <a:fld id="{063B7DDB-4392-4ACC-B8F4-C586390D9DA6}" type="datetimeFigureOut">
               <a:rPr lang="el-GR" smtClean="0"/>
-              <a:t>17/1/2023</a:t>
+              <a:t>18/1/2023</a:t>
             </a:fld>
             <a:endParaRPr lang="el-GR"/>
           </a:p>
@@ -11143,7 +11143,7 @@
           <a:p>
             <a:fld id="{063B7DDB-4392-4ACC-B8F4-C586390D9DA6}" type="datetimeFigureOut">
               <a:rPr lang="el-GR" smtClean="0"/>
-              <a:t>17/1/2023</a:t>
+              <a:t>18/1/2023</a:t>
             </a:fld>
             <a:endParaRPr lang="el-GR"/>
           </a:p>
@@ -11313,7 +11313,7 @@
           <a:p>
             <a:fld id="{063B7DDB-4392-4ACC-B8F4-C586390D9DA6}" type="datetimeFigureOut">
               <a:rPr lang="el-GR" smtClean="0"/>
-              <a:t>17/1/2023</a:t>
+              <a:t>18/1/2023</a:t>
             </a:fld>
             <a:endParaRPr lang="el-GR"/>
           </a:p>
@@ -11560,7 +11560,7 @@
           <a:p>
             <a:fld id="{063B7DDB-4392-4ACC-B8F4-C586390D9DA6}" type="datetimeFigureOut">
               <a:rPr lang="el-GR" smtClean="0"/>
-              <a:t>17/1/2023</a:t>
+              <a:t>18/1/2023</a:t>
             </a:fld>
             <a:endParaRPr lang="el-GR"/>
           </a:p>
@@ -11852,7 +11852,7 @@
           <a:p>
             <a:fld id="{063B7DDB-4392-4ACC-B8F4-C586390D9DA6}" type="datetimeFigureOut">
               <a:rPr lang="el-GR" smtClean="0"/>
-              <a:t>17/1/2023</a:t>
+              <a:t>18/1/2023</a:t>
             </a:fld>
             <a:endParaRPr lang="el-GR"/>
           </a:p>
@@ -12296,7 +12296,7 @@
           <a:p>
             <a:fld id="{063B7DDB-4392-4ACC-B8F4-C586390D9DA6}" type="datetimeFigureOut">
               <a:rPr lang="el-GR" smtClean="0"/>
-              <a:t>17/1/2023</a:t>
+              <a:t>18/1/2023</a:t>
             </a:fld>
             <a:endParaRPr lang="el-GR"/>
           </a:p>
@@ -12414,7 +12414,7 @@
           <a:p>
             <a:fld id="{063B7DDB-4392-4ACC-B8F4-C586390D9DA6}" type="datetimeFigureOut">
               <a:rPr lang="el-GR" smtClean="0"/>
-              <a:t>17/1/2023</a:t>
+              <a:t>18/1/2023</a:t>
             </a:fld>
             <a:endParaRPr lang="el-GR"/>
           </a:p>
@@ -12509,7 +12509,7 @@
           <a:p>
             <a:fld id="{063B7DDB-4392-4ACC-B8F4-C586390D9DA6}" type="datetimeFigureOut">
               <a:rPr lang="el-GR" smtClean="0"/>
-              <a:t>17/1/2023</a:t>
+              <a:t>18/1/2023</a:t>
             </a:fld>
             <a:endParaRPr lang="el-GR"/>
           </a:p>
@@ -12788,7 +12788,7 @@
           <a:p>
             <a:fld id="{063B7DDB-4392-4ACC-B8F4-C586390D9DA6}" type="datetimeFigureOut">
               <a:rPr lang="el-GR" smtClean="0"/>
-              <a:t>17/1/2023</a:t>
+              <a:t>18/1/2023</a:t>
             </a:fld>
             <a:endParaRPr lang="el-GR"/>
           </a:p>
@@ -13063,7 +13063,7 @@
           <a:p>
             <a:fld id="{063B7DDB-4392-4ACC-B8F4-C586390D9DA6}" type="datetimeFigureOut">
               <a:rPr lang="el-GR" smtClean="0"/>
-              <a:t>17/1/2023</a:t>
+              <a:t>18/1/2023</a:t>
             </a:fld>
             <a:endParaRPr lang="el-GR"/>
           </a:p>
@@ -13492,7 +13492,7 @@
           <a:p>
             <a:fld id="{063B7DDB-4392-4ACC-B8F4-C586390D9DA6}" type="datetimeFigureOut">
               <a:rPr lang="el-GR" smtClean="0"/>
-              <a:t>17/1/2023</a:t>
+              <a:t>18/1/2023</a:t>
             </a:fld>
             <a:endParaRPr lang="el-GR"/>
           </a:p>
@@ -14489,7 +14489,7 @@
       </p:sp>
       <p:pic>
         <p:nvPicPr>
-          <p:cNvPr id="4" name="Content Placeholder 3"/>
+          <p:cNvPr id="5" name="Content Placeholder 4"/>
           <p:cNvPicPr>
             <a:picLocks noGrp="1" noChangeAspect="1"/>
           </p:cNvPicPr>
@@ -14511,8 +14511,8 @@
         </p:blipFill>
         <p:spPr>
           <a:xfrm>
-            <a:off x="1101969" y="1633160"/>
-            <a:ext cx="8204163" cy="4615240"/>
+            <a:off x="1031631" y="1396547"/>
+            <a:ext cx="8007677" cy="4851853"/>
           </a:xfrm>
         </p:spPr>
       </p:pic>
